--- a/group/presentation1.pptx
+++ b/group/presentation1.pptx
@@ -7,11 +7,12 @@
   <p:sldIdLst>
     <p:sldId id="256" r:id="rId2"/>
     <p:sldId id="257" r:id="rId3"/>
-    <p:sldId id="258" r:id="rId4"/>
-    <p:sldId id="259" r:id="rId5"/>
-    <p:sldId id="261" r:id="rId6"/>
-    <p:sldId id="262" r:id="rId7"/>
-    <p:sldId id="260" r:id="rId8"/>
+    <p:sldId id="263" r:id="rId4"/>
+    <p:sldId id="258" r:id="rId5"/>
+    <p:sldId id="259" r:id="rId6"/>
+    <p:sldId id="261" r:id="rId7"/>
+    <p:sldId id="262" r:id="rId8"/>
+    <p:sldId id="260" r:id="rId9"/>
   </p:sldIdLst>
   <p:sldSz cx="12192000" cy="6858000"/>
   <p:notesSz cx="6858000" cy="9144000"/>
@@ -110,6 +111,11 @@
       </a:defRPr>
     </a:lvl9pPr>
   </p:defaultTextStyle>
+  <p:extLst>
+    <p:ext uri="{EFAFB233-063F-42B5-8137-9DF3F51BA10A}">
+      <p15:sldGuideLst xmlns:p15="http://schemas.microsoft.com/office/powerpoint/2012/main"/>
+    </p:ext>
+  </p:extLst>
 </p:presentation>
 </file>
 
@@ -208,7 +214,7 @@
           <a:effectLst/>
           <a:extLst>
             <a:ext uri="{91240B29-F687-4f45-9708-019B960494DF}">
-              <a14:hiddenLine xmlns:a14="http://schemas.microsoft.com/office/drawing/2010/main" xmlns="" w="9525">
+              <a14:hiddenLine xmlns="" xmlns:a14="http://schemas.microsoft.com/office/drawing/2010/main" w="9525">
                 <a:solidFill>
                   <a:srgbClr val="000000"/>
                 </a:solidFill>
@@ -1718,7 +1724,7 @@
           <a:ln/>
           <a:extLst>
             <a:ext uri="{91240B29-F687-4f45-9708-019B960494DF}">
-              <a14:hiddenLine xmlns:a14="http://schemas.microsoft.com/office/drawing/2010/main" xmlns="" w="9525">
+              <a14:hiddenLine xmlns="" xmlns:a14="http://schemas.microsoft.com/office/drawing/2010/main" w="9525">
                 <a:solidFill>
                   <a:srgbClr val="000000"/>
                 </a:solidFill>
@@ -1990,7 +1996,7 @@
           <a:ln/>
           <a:extLst>
             <a:ext uri="{91240B29-F687-4f45-9708-019B960494DF}">
-              <a14:hiddenLine xmlns:a14="http://schemas.microsoft.com/office/drawing/2010/main" xmlns="" w="9525">
+              <a14:hiddenLine xmlns="" xmlns:a14="http://schemas.microsoft.com/office/drawing/2010/main" w="9525">
                 <a:solidFill>
                   <a:srgbClr val="000000"/>
                 </a:solidFill>
@@ -2270,7 +2276,7 @@
           <a:ln/>
           <a:extLst>
             <a:ext uri="{91240B29-F687-4f45-9708-019B960494DF}">
-              <a14:hiddenLine xmlns:a14="http://schemas.microsoft.com/office/drawing/2010/main" xmlns="" w="9525">
+              <a14:hiddenLine xmlns="" xmlns:a14="http://schemas.microsoft.com/office/drawing/2010/main" w="9525">
                 <a:solidFill>
                   <a:srgbClr val="000000"/>
                 </a:solidFill>
@@ -2890,7 +2896,7 @@
           <a:ln/>
           <a:extLst>
             <a:ext uri="{91240B29-F687-4f45-9708-019B960494DF}">
-              <a14:hiddenLine xmlns:a14="http://schemas.microsoft.com/office/drawing/2010/main" xmlns="" w="9525">
+              <a14:hiddenLine xmlns="" xmlns:a14="http://schemas.microsoft.com/office/drawing/2010/main" w="9525">
                 <a:solidFill>
                   <a:srgbClr val="000000"/>
                 </a:solidFill>
@@ -3226,7 +3232,7 @@
           <a:ln/>
           <a:extLst>
             <a:ext uri="{91240B29-F687-4f45-9708-019B960494DF}">
-              <a14:hiddenLine xmlns:a14="http://schemas.microsoft.com/office/drawing/2010/main" xmlns="" w="9525">
+              <a14:hiddenLine xmlns="" xmlns:a14="http://schemas.microsoft.com/office/drawing/2010/main" w="9525">
                 <a:solidFill>
                   <a:srgbClr val="000000"/>
                 </a:solidFill>
@@ -3700,7 +3706,7 @@
           <a:ln/>
           <a:extLst>
             <a:ext uri="{91240B29-F687-4f45-9708-019B960494DF}">
-              <a14:hiddenLine xmlns:a14="http://schemas.microsoft.com/office/drawing/2010/main" xmlns="" w="9525">
+              <a14:hiddenLine xmlns="" xmlns:a14="http://schemas.microsoft.com/office/drawing/2010/main" w="9525">
                 <a:solidFill>
                   <a:srgbClr val="000000"/>
                 </a:solidFill>
@@ -4123,7 +4129,7 @@
           <a:ln/>
           <a:extLst>
             <a:ext uri="{91240B29-F687-4f45-9708-019B960494DF}">
-              <a14:hiddenLine xmlns:a14="http://schemas.microsoft.com/office/drawing/2010/main" xmlns="" w="9525">
+              <a14:hiddenLine xmlns="" xmlns:a14="http://schemas.microsoft.com/office/drawing/2010/main" w="9525">
                 <a:solidFill>
                   <a:srgbClr val="000000"/>
                 </a:solidFill>
@@ -5499,20 +5505,6 @@
             </a:r>
           </a:p>
           <a:p>
-            <a:pPr lvl="1"/>
-            <a:r>
-              <a:rPr lang="en-US" dirty="0"/>
-              <a:t>Difficulty with the variety of lighting, angles, backgrounds, and occlusion</a:t>
-            </a:r>
-          </a:p>
-          <a:p>
-            <a:pPr lvl="1"/>
-            <a:r>
-              <a:rPr lang="en-US" dirty="0"/>
-              <a:t>Discerning between some fine-grained categories (e.g. turquoise vs. light blue)</a:t>
-            </a:r>
-          </a:p>
-          <a:p>
             <a:r>
               <a:rPr lang="en-US" dirty="0"/>
               <a:t>228 different labels</a:t>
@@ -5584,6 +5576,125 @@
 </file>
 
 <file path=ppt/slides/slide3.xml><?xml version="1.0" encoding="utf-8"?>
+<p:sld xmlns:a="http://schemas.openxmlformats.org/drawingml/2006/main" xmlns:r="http://schemas.openxmlformats.org/officeDocument/2006/relationships" xmlns:p="http://schemas.openxmlformats.org/presentationml/2006/main">
+  <p:cSld>
+    <p:spTree>
+      <p:nvGrpSpPr>
+        <p:cNvPr id="1" name=""/>
+        <p:cNvGrpSpPr/>
+        <p:nvPr/>
+      </p:nvGrpSpPr>
+      <p:grpSpPr>
+        <a:xfrm>
+          <a:off x="0" y="0"/>
+          <a:ext cx="0" cy="0"/>
+          <a:chOff x="0" y="0"/>
+          <a:chExt cx="0" cy="0"/>
+        </a:xfrm>
+      </p:grpSpPr>
+      <p:sp>
+        <p:nvSpPr>
+          <p:cNvPr id="2" name="Title 1">
+            <a:extLst>
+              <a:ext uri="{FF2B5EF4-FFF2-40B4-BE49-F238E27FC236}">
+                <a16:creationId xmlns:a16="http://schemas.microsoft.com/office/drawing/2014/main" id="{F1B64E74-0EAE-9940-85C2-0A05D8D51A02}"/>
+              </a:ext>
+            </a:extLst>
+          </p:cNvPr>
+          <p:cNvSpPr>
+            <a:spLocks noGrp="1"/>
+          </p:cNvSpPr>
+          <p:nvPr>
+            <p:ph type="title"/>
+          </p:nvPr>
+        </p:nvSpPr>
+        <p:spPr/>
+        <p:txBody>
+          <a:bodyPr/>
+          <a:lstStyle/>
+          <a:p>
+            <a:r>
+              <a:rPr lang="en-US" dirty="0"/>
+              <a:t>Challenges</a:t>
+            </a:r>
+          </a:p>
+        </p:txBody>
+      </p:sp>
+      <p:sp>
+        <p:nvSpPr>
+          <p:cNvPr id="3" name="Content Placeholder 2">
+            <a:extLst>
+              <a:ext uri="{FF2B5EF4-FFF2-40B4-BE49-F238E27FC236}">
+                <a16:creationId xmlns:a16="http://schemas.microsoft.com/office/drawing/2014/main" id="{068E96BE-C549-9845-B9EE-838F5950A122}"/>
+              </a:ext>
+            </a:extLst>
+          </p:cNvPr>
+          <p:cNvSpPr>
+            <a:spLocks noGrp="1"/>
+          </p:cNvSpPr>
+          <p:nvPr>
+            <p:ph idx="1"/>
+          </p:nvPr>
+        </p:nvSpPr>
+        <p:spPr/>
+        <p:txBody>
+          <a:bodyPr/>
+          <a:lstStyle/>
+          <a:p>
+            <a:r>
+              <a:rPr lang="en-US" dirty="0"/>
+              <a:t>Most image have duplicate labels</a:t>
+            </a:r>
+          </a:p>
+          <a:p>
+            <a:r>
+              <a:rPr lang="en-US" dirty="0"/>
+              <a:t>Different levels of saturation and occlusion</a:t>
+            </a:r>
+          </a:p>
+          <a:p>
+            <a:r>
+              <a:rPr lang="en-US" dirty="0"/>
+              <a:t>Variety of lighting and angles</a:t>
+            </a:r>
+          </a:p>
+          <a:p>
+            <a:r>
+              <a:rPr lang="en-US" dirty="0"/>
+              <a:t>Discerning between some fine-grained color categories (e.g. turquoise vs. light blue)</a:t>
+            </a:r>
+          </a:p>
+          <a:p>
+            <a:r>
+              <a:rPr lang="en-US" dirty="0"/>
+              <a:t>10+ hours to download images</a:t>
+            </a:r>
+          </a:p>
+          <a:p>
+            <a:endParaRPr lang="en-US" dirty="0"/>
+          </a:p>
+          <a:p>
+            <a:endParaRPr lang="en-US" dirty="0"/>
+          </a:p>
+          <a:p>
+            <a:endParaRPr lang="en-US" dirty="0"/>
+          </a:p>
+        </p:txBody>
+      </p:sp>
+    </p:spTree>
+    <p:extLst>
+      <p:ext uri="{BB962C8B-B14F-4D97-AF65-F5344CB8AC3E}">
+        <p14:creationId xmlns:p14="http://schemas.microsoft.com/office/powerpoint/2010/main" val="1069440012"/>
+      </p:ext>
+    </p:extLst>
+  </p:cSld>
+  <p:clrMapOvr>
+    <a:masterClrMapping/>
+  </p:clrMapOvr>
+</p:sld>
+</file>
+
+<file path=ppt/slides/slide4.xml><?xml version="1.0" encoding="utf-8"?>
 <p:sld xmlns:a="http://schemas.openxmlformats.org/drawingml/2006/main" xmlns:r="http://schemas.openxmlformats.org/officeDocument/2006/relationships" xmlns:p="http://schemas.openxmlformats.org/presentationml/2006/main">
   <p:cSld>
     <p:spTree>
@@ -5730,7 +5841,7 @@
 </p:sld>
 </file>
 
-<file path=ppt/slides/slide4.xml><?xml version="1.0" encoding="utf-8"?>
+<file path=ppt/slides/slide5.xml><?xml version="1.0" encoding="utf-8"?>
 <p:sld xmlns:a="http://schemas.openxmlformats.org/drawingml/2006/main" xmlns:r="http://schemas.openxmlformats.org/officeDocument/2006/relationships" xmlns:p="http://schemas.openxmlformats.org/presentationml/2006/main">
   <p:cSld>
     <p:spTree>
@@ -5817,7 +5928,7 @@
 </p:sld>
 </file>
 
-<file path=ppt/slides/slide5.xml><?xml version="1.0" encoding="utf-8"?>
+<file path=ppt/slides/slide6.xml><?xml version="1.0" encoding="utf-8"?>
 <p:sld xmlns:a="http://schemas.openxmlformats.org/drawingml/2006/main" xmlns:r="http://schemas.openxmlformats.org/officeDocument/2006/relationships" xmlns:p="http://schemas.openxmlformats.org/presentationml/2006/main">
   <p:cSld>
     <p:spTree>
@@ -5904,7 +6015,7 @@
 </p:sld>
 </file>
 
-<file path=ppt/slides/slide6.xml><?xml version="1.0" encoding="utf-8"?>
+<file path=ppt/slides/slide7.xml><?xml version="1.0" encoding="utf-8"?>
 <p:sld xmlns:a="http://schemas.openxmlformats.org/drawingml/2006/main" xmlns:r="http://schemas.openxmlformats.org/officeDocument/2006/relationships" xmlns:p="http://schemas.openxmlformats.org/presentationml/2006/main">
   <p:cSld>
     <p:spTree>
@@ -6051,7 +6162,7 @@
 </p:sld>
 </file>
 
-<file path=ppt/slides/slide7.xml><?xml version="1.0" encoding="utf-8"?>
+<file path=ppt/slides/slide8.xml><?xml version="1.0" encoding="utf-8"?>
 <p:sld xmlns:a="http://schemas.openxmlformats.org/drawingml/2006/main" xmlns:r="http://schemas.openxmlformats.org/officeDocument/2006/relationships" xmlns:p="http://schemas.openxmlformats.org/presentationml/2006/main">
   <p:cSld>
     <p:spTree>
@@ -6139,6 +6250,40 @@
           <a:p>
             <a:r>
               <a:rPr lang="en-US" dirty="0"/>
+              <a:t>Idea to utilize Google </a:t>
+            </a:r>
+            <a:r>
+              <a:rPr lang="en-US" dirty="0" err="1"/>
+              <a:t>Colab</a:t>
+            </a:r>
+            <a:r>
+              <a:rPr lang="en-US" dirty="0"/>
+              <a:t>: </a:t>
+            </a:r>
+            <a:r>
+              <a:rPr lang="en-US" dirty="0">
+                <a:hlinkClick r:id="rId2"/>
+              </a:rPr>
+              <a:t>https://colab.research.google.com</a:t>
+            </a:r>
+            <a:r>
+              <a:rPr lang="en-US">
+                <a:hlinkClick r:id="rId2"/>
+              </a:rPr>
+              <a:t>/</a:t>
+            </a:r>
+            <a:endParaRPr lang="en-US" dirty="0"/>
+          </a:p>
+          <a:p>
+            <a:pPr lvl="1"/>
+            <a:r>
+              <a:rPr lang="en-US" dirty="0"/>
+              <a:t>Compress and upload images to Google Drive in order to access them</a:t>
+            </a:r>
+          </a:p>
+          <a:p>
+            <a:r>
+              <a:rPr lang="en-US" dirty="0"/>
               <a:t>Utilize </a:t>
             </a:r>
             <a:r>
@@ -6164,12 +6309,8 @@
           <a:p>
             <a:pPr lvl="1"/>
             <a:r>
-              <a:rPr lang="en-US"/>
-              <a:t>Compare  results </a:t>
-            </a:r>
-            <a:r>
               <a:rPr lang="en-US" dirty="0"/>
-              <a:t>from various models </a:t>
+              <a:t>Compare  results from various models </a:t>
             </a:r>
           </a:p>
         </p:txBody>
